--- a/Section_IV_BioComputing/slides/Experiments_Description.pptx
+++ b/Section_IV_BioComputing/slides/Experiments_Description.pptx
@@ -210,7 +210,7 @@
           <a:p>
             <a:fld id="{53C0D0F6-44C2-4139-9F29-DEAB01422E7D}" type="datetimeFigureOut">
               <a:rPr lang="en-US" smtClean="0"/>
-              <a:t>9/29/2025</a:t>
+              <a:t>9/30/2025</a:t>
             </a:fld>
             <a:endParaRPr lang="en-US"/>
           </a:p>
@@ -624,7 +624,7 @@
           <a:p>
             <a:fld id="{1FA4DE18-B5D1-45D9-9E87-41EAD3B0B9DA}" type="datetime1">
               <a:rPr lang="en-US" smtClean="0"/>
-              <a:t>9/29/2025</a:t>
+              <a:t>9/30/2025</a:t>
             </a:fld>
             <a:endParaRPr lang="en-US"/>
           </a:p>
@@ -822,7 +822,7 @@
           <a:p>
             <a:fld id="{89D4653C-9B37-49A0-B510-DD5D90F3D8BD}" type="datetime1">
               <a:rPr lang="en-US" smtClean="0"/>
-              <a:t>9/29/2025</a:t>
+              <a:t>9/30/2025</a:t>
             </a:fld>
             <a:endParaRPr lang="en-US"/>
           </a:p>
@@ -1030,7 +1030,7 @@
           <a:p>
             <a:fld id="{C5993F4C-BCD9-4030-B622-CD26191196A8}" type="datetime1">
               <a:rPr lang="en-US" smtClean="0"/>
-              <a:t>9/29/2025</a:t>
+              <a:t>9/30/2025</a:t>
             </a:fld>
             <a:endParaRPr lang="en-US"/>
           </a:p>
@@ -1228,7 +1228,7 @@
           <a:p>
             <a:fld id="{860372F8-4849-40C7-99D7-C297BF8D9828}" type="datetime1">
               <a:rPr lang="en-US" smtClean="0"/>
-              <a:t>9/29/2025</a:t>
+              <a:t>9/30/2025</a:t>
             </a:fld>
             <a:endParaRPr lang="en-US"/>
           </a:p>
@@ -1503,7 +1503,7 @@
           <a:p>
             <a:fld id="{F7250938-E1ED-4D37-A876-71A0F0749CD4}" type="datetime1">
               <a:rPr lang="en-US" smtClean="0"/>
-              <a:t>9/29/2025</a:t>
+              <a:t>9/30/2025</a:t>
             </a:fld>
             <a:endParaRPr lang="en-US"/>
           </a:p>
@@ -1768,7 +1768,7 @@
           <a:p>
             <a:fld id="{71D3D460-FEC4-48F4-A9D1-10E889F0848E}" type="datetime1">
               <a:rPr lang="en-US" smtClean="0"/>
-              <a:t>9/29/2025</a:t>
+              <a:t>9/30/2025</a:t>
             </a:fld>
             <a:endParaRPr lang="en-US"/>
           </a:p>
@@ -2180,7 +2180,7 @@
           <a:p>
             <a:fld id="{BB1C9A81-2A80-4272-8FDE-EFB850D96C8F}" type="datetime1">
               <a:rPr lang="en-US" smtClean="0"/>
-              <a:t>9/29/2025</a:t>
+              <a:t>9/30/2025</a:t>
             </a:fld>
             <a:endParaRPr lang="en-US"/>
           </a:p>
@@ -2321,7 +2321,7 @@
           <a:p>
             <a:fld id="{4935B968-F21E-41C6-BEC5-2BADD5054AC1}" type="datetime1">
               <a:rPr lang="en-US" smtClean="0"/>
-              <a:t>9/29/2025</a:t>
+              <a:t>9/30/2025</a:t>
             </a:fld>
             <a:endParaRPr lang="en-US"/>
           </a:p>
@@ -2434,7 +2434,7 @@
           <a:p>
             <a:fld id="{5347C765-EE83-44B8-9DD8-4843EE66A729}" type="datetime1">
               <a:rPr lang="en-US" smtClean="0"/>
-              <a:t>9/29/2025</a:t>
+              <a:t>9/30/2025</a:t>
             </a:fld>
             <a:endParaRPr lang="en-US"/>
           </a:p>
@@ -2745,7 +2745,7 @@
           <a:p>
             <a:fld id="{902F3E9B-2D66-41D7-8302-1B612ED56CEF}" type="datetime1">
               <a:rPr lang="en-US" smtClean="0"/>
-              <a:t>9/29/2025</a:t>
+              <a:t>9/30/2025</a:t>
             </a:fld>
             <a:endParaRPr lang="en-US"/>
           </a:p>
@@ -3033,7 +3033,7 @@
           <a:p>
             <a:fld id="{3B3EAFCE-13D7-4452-A4EC-680D0259EAD6}" type="datetime1">
               <a:rPr lang="en-US" smtClean="0"/>
-              <a:t>9/29/2025</a:t>
+              <a:t>9/30/2025</a:t>
             </a:fld>
             <a:endParaRPr lang="en-US"/>
           </a:p>
@@ -3274,7 +3274,7 @@
           <a:p>
             <a:fld id="{89E9A4C1-987F-47C2-90F4-7632FD904E43}" type="datetime1">
               <a:rPr lang="en-US" smtClean="0"/>
-              <a:t>9/29/2025</a:t>
+              <a:t>9/30/2025</a:t>
             </a:fld>
             <a:endParaRPr lang="en-US"/>
           </a:p>
@@ -3920,7 +3920,7 @@
         <p:spPr>
           <a:xfrm>
             <a:off x="27432" y="960120"/>
-            <a:ext cx="3809277" cy="3954929"/>
+            <a:ext cx="3809277" cy="3370153"/>
           </a:xfrm>
           <a:prstGeom prst="rect">
             <a:avLst/>
@@ -3992,39 +3992,6 @@
               <a:buFont typeface="Arial" panose="020B0604020202020204" pitchFamily="34" charset="0"/>
               <a:buChar char="•"/>
             </a:pPr>
-            <a:r>
-              <a:rPr lang="en-US" sz="1400" b="1" dirty="0"/>
-              <a:t>Dimensions</a:t>
-            </a:r>
-          </a:p>
-          <a:p>
-            <a:pPr marL="231775" lvl="1" indent="-112713">
-              <a:spcBef>
-                <a:spcPts val="600"/>
-              </a:spcBef>
-              <a:buFont typeface="Calibri" panose="020F0502020204030204" pitchFamily="34" charset="0"/>
-              <a:buChar char="‐"/>
-              <a:tabLst>
-                <a:tab pos="461963" algn="l"/>
-              </a:tabLst>
-            </a:pPr>
-            <a:r>
-              <a:rPr lang="en-US" sz="1400" dirty="0"/>
-              <a:t>Total size: 4.8 x 2.9 cm</a:t>
-            </a:r>
-          </a:p>
-          <a:p>
-            <a:pPr marL="115888" indent="-115888">
-              <a:spcBef>
-                <a:spcPts val="600"/>
-              </a:spcBef>
-              <a:buFont typeface="Arial" panose="020B0604020202020204" pitchFamily="34" charset="0"/>
-              <a:buChar char="•"/>
-            </a:pPr>
-            <a:r>
-              <a:rPr lang="en-US" sz="1400" dirty="0"/>
-              <a:t> </a:t>
-            </a:r>
             <a:r>
               <a:rPr lang="en-US" sz="1400" b="1" dirty="0"/>
               <a:t>Chemicals</a:t>
@@ -4530,6 +4497,46 @@
               <a:t>2</a:t>
             </a:fld>
             <a:endParaRPr lang="en-US" dirty="0"/>
+          </a:p>
+        </p:txBody>
+      </p:sp>
+      <p:sp>
+        <p:nvSpPr>
+          <p:cNvPr id="4" name="TextBox 3">
+            <a:extLst>
+              <a:ext uri="{FF2B5EF4-FFF2-40B4-BE49-F238E27FC236}">
+                <a16:creationId xmlns:a16="http://schemas.microsoft.com/office/drawing/2014/main" id="{AE5CFB8A-27BD-6D04-FB96-DDEDDC940259}"/>
+              </a:ext>
+            </a:extLst>
+          </p:cNvPr>
+          <p:cNvSpPr txBox="1"/>
+          <p:nvPr/>
+        </p:nvSpPr>
+        <p:spPr>
+          <a:xfrm>
+            <a:off x="7347554" y="36292"/>
+            <a:ext cx="2144406" cy="307777"/>
+          </a:xfrm>
+          <a:prstGeom prst="rect">
+            <a:avLst/>
+          </a:prstGeom>
+          <a:noFill/>
+        </p:spPr>
+        <p:txBody>
+          <a:bodyPr wrap="square">
+            <a:spAutoFit/>
+          </a:bodyPr>
+          <a:lstStyle/>
+          <a:p>
+            <a:pPr>
+              <a:spcBef>
+                <a:spcPts val="300"/>
+              </a:spcBef>
+            </a:pPr>
+            <a:r>
+              <a:rPr lang="en-US" sz="1400" dirty="0"/>
+              <a:t>Dimension: 4.8 x 2.9 cm</a:t>
+            </a:r>
           </a:p>
         </p:txBody>
       </p:sp>
